--- a/Module-0-JPN-Introduction.pptx
+++ b/Module-0-JPN-Introduction.pptx
@@ -214,7 +214,7 @@
           <a:p>
             <a:fld id="{EFBAE5F7-1A37-4419-ABB8-8A3EB0EFDAFA}" type="datetimeFigureOut">
               <a:rPr kumimoji="1" lang="ja-JP" altLang="en-US" smtClean="0"/>
-              <a:t>2019/9/5</a:t>
+              <a:t>2019/9/10</a:t>
             </a:fld>
             <a:endParaRPr kumimoji="1" lang="ja-JP" altLang="en-US"/>
           </a:p>
@@ -7575,11 +7575,18 @@
                 <a:solidFill>
                   <a:srgbClr val="000000"/>
                 </a:solidFill>
-                <a:latin typeface="Arial"/>
-              </a:rPr>
-              <a:t>本日必要なこと</a:t>
-            </a:r>
-            <a:endParaRPr lang="en-US" sz="1900" b="0" strike="noStrike" spc="-1" dirty="0">
+              </a:rPr>
+              <a:t>今日</a:t>
+            </a:r>
+            <a:r>
+              <a:rPr lang="ja-JP" altLang="en-US" sz="1900" spc="-1" dirty="0">
+                <a:solidFill>
+                  <a:srgbClr val="000000"/>
+                </a:solidFill>
+              </a:rPr>
+              <a:t>求められていること</a:t>
+            </a:r>
+            <a:endParaRPr lang="en-US" sz="1900" b="0" strike="noStrike" spc="-1" dirty="0" smtClean="0">
               <a:latin typeface="Arial"/>
             </a:endParaRPr>
           </a:p>
@@ -7598,7 +7605,7 @@
               <a:buAutoNum type="arabicPeriod"/>
             </a:pPr>
             <a:r>
-              <a:rPr lang="ja-JP" altLang="en-US" sz="2400" b="1" spc="-1" dirty="0">
+              <a:rPr lang="ja-JP" altLang="en-US" sz="2400" b="1" spc="-1" dirty="0" smtClean="0">
                 <a:solidFill>
                   <a:srgbClr val="44546A"/>
                 </a:solidFill>
@@ -7648,11 +7655,11 @@
               <a:t>基本的な操作の流れ</a:t>
             </a:r>
             <a:r>
-              <a:rPr dirty="0"/>
+              <a:rPr dirty="0" smtClean="0"/>
               <a:t/>
             </a:r>
             <a:br>
-              <a:rPr dirty="0"/>
+              <a:rPr dirty="0" smtClean="0"/>
             </a:br>
             <a:r>
               <a:rPr lang="en-US" sz="1900" b="0" strike="noStrike" spc="-1" dirty="0" smtClean="0">
@@ -7674,7 +7681,7 @@
               </a:rPr>
               <a:t>はどのように設計されているか</a:t>
             </a:r>
-            <a:endParaRPr lang="en-US" sz="1900" b="0" strike="noStrike" spc="-1" dirty="0">
+            <a:endParaRPr lang="en-US" sz="1900" b="0" strike="noStrike" spc="-1" dirty="0" smtClean="0">
               <a:latin typeface="Arial"/>
             </a:endParaRPr>
           </a:p>
@@ -9847,14 +9854,14 @@
               <a:buChar char="■"/>
             </a:pPr>
             <a:r>
-              <a:rPr lang="ja-JP" altLang="en-US" sz="1900" b="0" strike="noStrike" spc="-1" dirty="0" smtClean="0">
-                <a:latin typeface="Arial"/>
-              </a:rPr>
-              <a:t>全員マシンにインストールできるか、サンプルファイルをダウンロードできるか確認</a:t>
-            </a:r>
-            <a:endParaRPr lang="en-US" sz="1900" b="0" strike="noStrike" spc="-1" dirty="0">
-              <a:latin typeface="Arial"/>
-            </a:endParaRPr>
+              <a:rPr lang="ja-JP" altLang="en-US" sz="1900" spc="-1" dirty="0"/>
+              <a:t>全員が各自のマシンにインストールでき、サンプルファイルをダウンロードできていることの</a:t>
+            </a:r>
+            <a:r>
+              <a:rPr lang="ja-JP" altLang="en-US" sz="1900" spc="-1" dirty="0" smtClean="0"/>
+              <a:t>確認</a:t>
+            </a:r>
+            <a:endParaRPr lang="en-US" altLang="ja-JP" sz="1900" spc="-1" smtClean="0"/>
           </a:p>
           <a:p>
             <a:pPr marL="609480" indent="-424800">
@@ -9868,7 +9875,7 @@
               <a:buChar char="■"/>
             </a:pPr>
             <a:r>
-              <a:rPr lang="ja-JP" altLang="en-US" sz="1900" spc="-1" dirty="0">
+              <a:rPr lang="ja-JP" altLang="en-US" sz="1900" spc="-1" smtClean="0">
                 <a:solidFill>
                   <a:srgbClr val="000000"/>
                 </a:solidFill>

--- a/Module-0-JPN-Introduction.pptx
+++ b/Module-0-JPN-Introduction.pptx
@@ -214,7 +214,7 @@
           <a:p>
             <a:fld id="{EFBAE5F7-1A37-4419-ABB8-8A3EB0EFDAFA}" type="datetimeFigureOut">
               <a:rPr kumimoji="1" lang="ja-JP" altLang="en-US" smtClean="0"/>
-              <a:t>2019/9/10</a:t>
+              <a:t>2019/9/11</a:t>
             </a:fld>
             <a:endParaRPr kumimoji="1" lang="ja-JP" altLang="en-US"/>
           </a:p>
@@ -7558,23 +7558,31 @@
                 <a:solidFill>
                   <a:srgbClr val="44546A"/>
                 </a:solidFill>
-                <a:latin typeface="Arial"/>
-                <a:ea typeface="Arial"/>
+                <a:latin typeface="ＭＳ ゴシック" panose="020B0609070205080204" pitchFamily="49" charset="-128"/>
+                <a:ea typeface="ＭＳ ゴシック" panose="020B0609070205080204" pitchFamily="49" charset="-128"/>
               </a:rPr>
               <a:t>動機</a:t>
             </a:r>
             <a:r>
-              <a:rPr dirty="0"/>
+              <a:rPr dirty="0">
+                <a:latin typeface="ＭＳ ゴシック" panose="020B0609070205080204" pitchFamily="49" charset="-128"/>
+                <a:ea typeface="ＭＳ ゴシック" panose="020B0609070205080204" pitchFamily="49" charset="-128"/>
+              </a:rPr>
               <a:t/>
             </a:r>
             <a:br>
-              <a:rPr dirty="0"/>
+              <a:rPr dirty="0">
+                <a:latin typeface="ＭＳ ゴシック" panose="020B0609070205080204" pitchFamily="49" charset="-128"/>
+                <a:ea typeface="ＭＳ ゴシック" panose="020B0609070205080204" pitchFamily="49" charset="-128"/>
+              </a:rPr>
             </a:br>
             <a:r>
               <a:rPr lang="ja-JP" altLang="en-US" sz="1900" spc="-1" dirty="0" smtClean="0">
                 <a:solidFill>
                   <a:srgbClr val="000000"/>
                 </a:solidFill>
+                <a:latin typeface="ＭＳ ゴシック" panose="020B0609070205080204" pitchFamily="49" charset="-128"/>
+                <a:ea typeface="ＭＳ ゴシック" panose="020B0609070205080204" pitchFamily="49" charset="-128"/>
               </a:rPr>
               <a:t>今日</a:t>
             </a:r>
@@ -7583,11 +7591,14 @@
                 <a:solidFill>
                   <a:srgbClr val="000000"/>
                 </a:solidFill>
+                <a:latin typeface="ＭＳ ゴシック" panose="020B0609070205080204" pitchFamily="49" charset="-128"/>
+                <a:ea typeface="ＭＳ ゴシック" panose="020B0609070205080204" pitchFamily="49" charset="-128"/>
               </a:rPr>
               <a:t>求められていること</a:t>
             </a:r>
             <a:endParaRPr lang="en-US" sz="1900" b="0" strike="noStrike" spc="-1" dirty="0" smtClean="0">
-              <a:latin typeface="Arial"/>
+              <a:latin typeface="ＭＳ ゴシック" panose="020B0609070205080204" pitchFamily="49" charset="-128"/>
+              <a:ea typeface="ＭＳ ゴシック" panose="020B0609070205080204" pitchFamily="49" charset="-128"/>
             </a:endParaRPr>
           </a:p>
           <a:p>
@@ -7609,8 +7620,8 @@
                 <a:solidFill>
                   <a:srgbClr val="44546A"/>
                 </a:solidFill>
-                <a:latin typeface="Arial"/>
-                <a:ea typeface="Arial"/>
+                <a:latin typeface="ＭＳ ゴシック" panose="020B0609070205080204" pitchFamily="49" charset="-128"/>
+                <a:ea typeface="ＭＳ ゴシック" panose="020B0609070205080204" pitchFamily="49" charset="-128"/>
               </a:rPr>
               <a:t>導入</a:t>
             </a:r>
@@ -7619,8 +7630,8 @@
                 <a:solidFill>
                   <a:srgbClr val="44546A"/>
                 </a:solidFill>
-                <a:latin typeface="Arial"/>
-                <a:ea typeface="Arial"/>
+                <a:latin typeface="ＭＳ ゴシック" panose="020B0609070205080204" pitchFamily="49" charset="-128"/>
+                <a:ea typeface="ＭＳ ゴシック" panose="020B0609070205080204" pitchFamily="49" charset="-128"/>
               </a:rPr>
               <a:t> </a:t>
             </a:r>
@@ -7629,8 +7640,8 @@
                 <a:solidFill>
                   <a:srgbClr val="44546A"/>
                 </a:solidFill>
-                <a:latin typeface="Arial"/>
-                <a:ea typeface="Arial"/>
+                <a:latin typeface="ＭＳ ゴシック" panose="020B0609070205080204" pitchFamily="49" charset="-128"/>
+                <a:ea typeface="ＭＳ ゴシック" panose="020B0609070205080204" pitchFamily="49" charset="-128"/>
               </a:rPr>
               <a:t>と</a:t>
             </a:r>
@@ -7639,8 +7650,8 @@
                 <a:solidFill>
                   <a:srgbClr val="44546A"/>
                 </a:solidFill>
-                <a:latin typeface="Arial"/>
-                <a:ea typeface="Arial"/>
+                <a:latin typeface="ＭＳ ゴシック" panose="020B0609070205080204" pitchFamily="49" charset="-128"/>
+                <a:ea typeface="ＭＳ ゴシック" panose="020B0609070205080204" pitchFamily="49" charset="-128"/>
               </a:rPr>
               <a:t> </a:t>
             </a:r>
@@ -7649,25 +7660,31 @@
                 <a:solidFill>
                   <a:srgbClr val="44546A"/>
                 </a:solidFill>
-                <a:latin typeface="Arial"/>
-                <a:ea typeface="Arial"/>
+                <a:latin typeface="ＭＳ ゴシック" panose="020B0609070205080204" pitchFamily="49" charset="-128"/>
+                <a:ea typeface="ＭＳ ゴシック" panose="020B0609070205080204" pitchFamily="49" charset="-128"/>
               </a:rPr>
               <a:t>基本的な操作の流れ</a:t>
             </a:r>
             <a:r>
-              <a:rPr dirty="0" smtClean="0"/>
+              <a:rPr dirty="0" smtClean="0">
+                <a:latin typeface="ＭＳ ゴシック" panose="020B0609070205080204" pitchFamily="49" charset="-128"/>
+                <a:ea typeface="ＭＳ ゴシック" panose="020B0609070205080204" pitchFamily="49" charset="-128"/>
+              </a:rPr>
               <a:t/>
             </a:r>
             <a:br>
-              <a:rPr dirty="0" smtClean="0"/>
+              <a:rPr dirty="0" smtClean="0">
+                <a:latin typeface="ＭＳ ゴシック" panose="020B0609070205080204" pitchFamily="49" charset="-128"/>
+                <a:ea typeface="ＭＳ ゴシック" panose="020B0609070205080204" pitchFamily="49" charset="-128"/>
+              </a:rPr>
             </a:br>
             <a:r>
               <a:rPr lang="en-US" sz="1900" b="0" strike="noStrike" spc="-1" dirty="0" smtClean="0">
                 <a:solidFill>
                   <a:srgbClr val="000000"/>
                 </a:solidFill>
-                <a:latin typeface="Arial"/>
-                <a:ea typeface="Arial"/>
+                <a:latin typeface="ＭＳ ゴシック" panose="020B0609070205080204" pitchFamily="49" charset="-128"/>
+                <a:ea typeface="ＭＳ ゴシック" panose="020B0609070205080204" pitchFamily="49" charset="-128"/>
               </a:rPr>
               <a:t>FOSSology </a:t>
             </a:r>
@@ -7676,13 +7693,14 @@
                 <a:solidFill>
                   <a:srgbClr val="000000"/>
                 </a:solidFill>
-                <a:latin typeface="Arial"/>
-                <a:ea typeface="Arial"/>
+                <a:latin typeface="ＭＳ ゴシック" panose="020B0609070205080204" pitchFamily="49" charset="-128"/>
+                <a:ea typeface="ＭＳ ゴシック" panose="020B0609070205080204" pitchFamily="49" charset="-128"/>
               </a:rPr>
               <a:t>はどのように設計されているか</a:t>
             </a:r>
             <a:endParaRPr lang="en-US" sz="1900" b="0" strike="noStrike" spc="-1" dirty="0" smtClean="0">
-              <a:latin typeface="Arial"/>
+              <a:latin typeface="ＭＳ ゴシック" panose="020B0609070205080204" pitchFamily="49" charset="-128"/>
+              <a:ea typeface="ＭＳ ゴシック" panose="020B0609070205080204" pitchFamily="49" charset="-128"/>
             </a:endParaRPr>
           </a:p>
           <a:p>
@@ -7704,8 +7722,8 @@
                 <a:solidFill>
                   <a:srgbClr val="44546A"/>
                 </a:solidFill>
-                <a:latin typeface="Arial"/>
-                <a:ea typeface="Arial"/>
+                <a:latin typeface="ＭＳ ゴシック" panose="020B0609070205080204" pitchFamily="49" charset="-128"/>
+                <a:ea typeface="ＭＳ ゴシック" panose="020B0609070205080204" pitchFamily="49" charset="-128"/>
               </a:rPr>
               <a:t>SPDX </a:t>
             </a:r>
@@ -7714,8 +7732,8 @@
                 <a:solidFill>
                   <a:srgbClr val="44546A"/>
                 </a:solidFill>
-                <a:latin typeface="Arial"/>
-                <a:ea typeface="Arial"/>
+                <a:latin typeface="ＭＳ ゴシック" panose="020B0609070205080204" pitchFamily="49" charset="-128"/>
+                <a:ea typeface="ＭＳ ゴシック" panose="020B0609070205080204" pitchFamily="49" charset="-128"/>
               </a:rPr>
               <a:t>出力導入</a:t>
             </a:r>
@@ -7724,8 +7742,8 @@
                 <a:solidFill>
                   <a:srgbClr val="000000"/>
                 </a:solidFill>
-                <a:latin typeface="Arial"/>
-                <a:ea typeface="Arial"/>
+                <a:latin typeface="ＭＳ ゴシック" panose="020B0609070205080204" pitchFamily="49" charset="-128"/>
+                <a:ea typeface="ＭＳ ゴシック" panose="020B0609070205080204" pitchFamily="49" charset="-128"/>
               </a:rPr>
               <a:t/>
             </a:r>
@@ -7734,8 +7752,8 @@
                 <a:solidFill>
                   <a:srgbClr val="000000"/>
                 </a:solidFill>
-                <a:latin typeface="Arial"/>
-                <a:ea typeface="Arial"/>
+                <a:latin typeface="ＭＳ ゴシック" panose="020B0609070205080204" pitchFamily="49" charset="-128"/>
+                <a:ea typeface="ＭＳ ゴシック" panose="020B0609070205080204" pitchFamily="49" charset="-128"/>
               </a:rPr>
             </a:br>
             <a:r>
@@ -7743,8 +7761,8 @@
                 <a:solidFill>
                   <a:srgbClr val="000000"/>
                 </a:solidFill>
-                <a:latin typeface="Arial"/>
-                <a:ea typeface="Arial"/>
+                <a:latin typeface="ＭＳ ゴシック" panose="020B0609070205080204" pitchFamily="49" charset="-128"/>
+                <a:ea typeface="ＭＳ ゴシック" panose="020B0609070205080204" pitchFamily="49" charset="-128"/>
               </a:rPr>
               <a:t>FOSSology</a:t>
             </a:r>
@@ -7753,13 +7771,14 @@
                 <a:solidFill>
                   <a:srgbClr val="000000"/>
                 </a:solidFill>
-                <a:latin typeface="Arial"/>
-                <a:ea typeface="Arial"/>
+                <a:latin typeface="ＭＳ ゴシック" panose="020B0609070205080204" pitchFamily="49" charset="-128"/>
+                <a:ea typeface="ＭＳ ゴシック" panose="020B0609070205080204" pitchFamily="49" charset="-128"/>
               </a:rPr>
               <a:t>のもっとも大切な特徴と、どうやってそれを実行するかを、お稽古をしましょう</a:t>
             </a:r>
             <a:endParaRPr lang="en-US" sz="1900" b="0" strike="noStrike" spc="-1" dirty="0">
-              <a:latin typeface="Arial"/>
+              <a:latin typeface="ＭＳ ゴシック" panose="020B0609070205080204" pitchFamily="49" charset="-128"/>
+              <a:ea typeface="ＭＳ ゴシック" panose="020B0609070205080204" pitchFamily="49" charset="-128"/>
             </a:endParaRPr>
           </a:p>
           <a:p>
@@ -7781,25 +7800,31 @@
                 <a:solidFill>
                   <a:srgbClr val="44546A"/>
                 </a:solidFill>
-                <a:latin typeface="Arial"/>
-                <a:ea typeface="Arial"/>
+                <a:latin typeface="ＭＳ ゴシック" panose="020B0609070205080204" pitchFamily="49" charset="-128"/>
+                <a:ea typeface="ＭＳ ゴシック" panose="020B0609070205080204" pitchFamily="49" charset="-128"/>
               </a:rPr>
               <a:t>より便利な特徴</a:t>
             </a:r>
             <a:r>
-              <a:rPr dirty="0"/>
+              <a:rPr dirty="0">
+                <a:latin typeface="ＭＳ ゴシック" panose="020B0609070205080204" pitchFamily="49" charset="-128"/>
+                <a:ea typeface="ＭＳ ゴシック" panose="020B0609070205080204" pitchFamily="49" charset="-128"/>
+              </a:rPr>
               <a:t/>
             </a:r>
             <a:br>
-              <a:rPr dirty="0"/>
+              <a:rPr dirty="0">
+                <a:latin typeface="ＭＳ ゴシック" panose="020B0609070205080204" pitchFamily="49" charset="-128"/>
+                <a:ea typeface="ＭＳ ゴシック" panose="020B0609070205080204" pitchFamily="49" charset="-128"/>
+              </a:rPr>
             </a:br>
             <a:r>
               <a:rPr lang="ja-JP" altLang="en-US" sz="1900" b="0" strike="noStrike" spc="-1" dirty="0" smtClean="0">
                 <a:solidFill>
                   <a:srgbClr val="000000"/>
                 </a:solidFill>
-                <a:latin typeface="Arial"/>
-                <a:ea typeface="Arial"/>
+                <a:latin typeface="ＭＳ ゴシック" panose="020B0609070205080204" pitchFamily="49" charset="-128"/>
+                <a:ea typeface="ＭＳ ゴシック" panose="020B0609070205080204" pitchFamily="49" charset="-128"/>
               </a:rPr>
               <a:t>あなたのマシンで</a:t>
             </a:r>
@@ -7808,8 +7833,8 @@
                 <a:solidFill>
                   <a:srgbClr val="000000"/>
                 </a:solidFill>
-                <a:latin typeface="Arial"/>
-                <a:ea typeface="Arial"/>
+                <a:latin typeface="ＭＳ ゴシック" panose="020B0609070205080204" pitchFamily="49" charset="-128"/>
+                <a:ea typeface="ＭＳ ゴシック" panose="020B0609070205080204" pitchFamily="49" charset="-128"/>
               </a:rPr>
               <a:t>FOSSology</a:t>
             </a:r>
@@ -7818,13 +7843,14 @@
                 <a:solidFill>
                   <a:srgbClr val="000000"/>
                 </a:solidFill>
-                <a:latin typeface="Arial"/>
-                <a:ea typeface="Arial"/>
+                <a:latin typeface="ＭＳ ゴシック" panose="020B0609070205080204" pitchFamily="49" charset="-128"/>
+                <a:ea typeface="ＭＳ ゴシック" panose="020B0609070205080204" pitchFamily="49" charset="-128"/>
               </a:rPr>
               <a:t>を動かす</a:t>
             </a:r>
             <a:endParaRPr lang="en-US" sz="1900" b="0" strike="noStrike" spc="-1" dirty="0">
-              <a:latin typeface="Arial"/>
+              <a:latin typeface="ＭＳ ゴシック" panose="020B0609070205080204" pitchFamily="49" charset="-128"/>
+              <a:ea typeface="ＭＳ ゴシック" panose="020B0609070205080204" pitchFamily="49" charset="-128"/>
             </a:endParaRPr>
           </a:p>
           <a:p>
@@ -7846,29 +7872,37 @@
                 <a:solidFill>
                   <a:srgbClr val="44546A"/>
                 </a:solidFill>
-                <a:latin typeface="Arial"/>
-                <a:ea typeface="Arial"/>
+                <a:latin typeface="ＭＳ ゴシック" panose="020B0609070205080204" pitchFamily="49" charset="-128"/>
+                <a:ea typeface="ＭＳ ゴシック" panose="020B0609070205080204" pitchFamily="49" charset="-128"/>
               </a:rPr>
               <a:t>ハンズオン</a:t>
             </a:r>
             <a:r>
-              <a:rPr dirty="0"/>
+              <a:rPr dirty="0">
+                <a:latin typeface="ＭＳ ゴシック" panose="020B0609070205080204" pitchFamily="49" charset="-128"/>
+                <a:ea typeface="ＭＳ ゴシック" panose="020B0609070205080204" pitchFamily="49" charset="-128"/>
+              </a:rPr>
               <a:t/>
             </a:r>
             <a:br>
-              <a:rPr dirty="0"/>
+              <a:rPr dirty="0">
+                <a:latin typeface="ＭＳ ゴシック" panose="020B0609070205080204" pitchFamily="49" charset="-128"/>
+                <a:ea typeface="ＭＳ ゴシック" panose="020B0609070205080204" pitchFamily="49" charset="-128"/>
+              </a:rPr>
             </a:br>
             <a:r>
               <a:rPr lang="ja-JP" altLang="en-US" sz="1900" spc="-1" dirty="0" smtClean="0">
                 <a:solidFill>
                   <a:srgbClr val="000000"/>
                 </a:solidFill>
-                <a:latin typeface="Arial"/>
+                <a:latin typeface="ＭＳ ゴシック" panose="020B0609070205080204" pitchFamily="49" charset="-128"/>
+                <a:ea typeface="ＭＳ ゴシック" panose="020B0609070205080204" pitchFamily="49" charset="-128"/>
               </a:rPr>
               <a:t>自分自身で試してみましょう</a:t>
             </a:r>
             <a:endParaRPr lang="en-US" sz="1900" b="0" strike="noStrike" spc="-1" dirty="0">
-              <a:latin typeface="Arial"/>
+              <a:latin typeface="ＭＳ ゴシック" panose="020B0609070205080204" pitchFamily="49" charset="-128"/>
+              <a:ea typeface="ＭＳ ゴシック" panose="020B0609070205080204" pitchFamily="49" charset="-128"/>
             </a:endParaRPr>
           </a:p>
           <a:p>
@@ -9830,7 +9864,8 @@
             </a:pPr>
             <a:r>
               <a:rPr lang="ja-JP" altLang="en-US" sz="2400" b="0" strike="noStrike" spc="-1" dirty="0" smtClean="0">
-                <a:latin typeface="Arial"/>
+                <a:latin typeface="ＭＳ ゴシック" panose="020B0609070205080204" pitchFamily="49" charset="-128"/>
+                <a:ea typeface="ＭＳ ゴシック" panose="020B0609070205080204" pitchFamily="49" charset="-128"/>
               </a:rPr>
               <a:t>本日の作業ために</a:t>
             </a:r>
@@ -9838,8 +9873,8 @@
               <a:solidFill>
                 <a:srgbClr val="000000"/>
               </a:solidFill>
-              <a:latin typeface="Arial"/>
-              <a:ea typeface="Arial"/>
+              <a:latin typeface="ＭＳ ゴシック" panose="020B0609070205080204" pitchFamily="49" charset="-128"/>
+              <a:ea typeface="ＭＳ ゴシック" panose="020B0609070205080204" pitchFamily="49" charset="-128"/>
             </a:endParaRPr>
           </a:p>
           <a:p>
@@ -9854,14 +9889,23 @@
               <a:buChar char="■"/>
             </a:pPr>
             <a:r>
-              <a:rPr lang="ja-JP" altLang="en-US" sz="1900" spc="-1" dirty="0"/>
+              <a:rPr lang="ja-JP" altLang="en-US" sz="1900" spc="-1" dirty="0">
+                <a:latin typeface="ＭＳ ゴシック" panose="020B0609070205080204" pitchFamily="49" charset="-128"/>
+                <a:ea typeface="ＭＳ ゴシック" panose="020B0609070205080204" pitchFamily="49" charset="-128"/>
+              </a:rPr>
               <a:t>全員が各自のマシンにインストールでき、サンプルファイルをダウンロードできていることの</a:t>
             </a:r>
             <a:r>
-              <a:rPr lang="ja-JP" altLang="en-US" sz="1900" spc="-1" dirty="0" smtClean="0"/>
+              <a:rPr lang="ja-JP" altLang="en-US" sz="1900" spc="-1" dirty="0" smtClean="0">
+                <a:latin typeface="ＭＳ ゴシック" panose="020B0609070205080204" pitchFamily="49" charset="-128"/>
+                <a:ea typeface="ＭＳ ゴシック" panose="020B0609070205080204" pitchFamily="49" charset="-128"/>
+              </a:rPr>
               <a:t>確認</a:t>
             </a:r>
-            <a:endParaRPr lang="en-US" altLang="ja-JP" sz="1900" spc="-1" smtClean="0"/>
+            <a:endParaRPr lang="en-US" altLang="ja-JP" sz="1900" spc="-1" dirty="0" smtClean="0">
+              <a:latin typeface="ＭＳ ゴシック" panose="020B0609070205080204" pitchFamily="49" charset="-128"/>
+              <a:ea typeface="ＭＳ ゴシック" panose="020B0609070205080204" pitchFamily="49" charset="-128"/>
+            </a:endParaRPr>
           </a:p>
           <a:p>
             <a:pPr marL="609480" indent="-424800">
@@ -9875,29 +9919,22 @@
               <a:buChar char="■"/>
             </a:pPr>
             <a:r>
-              <a:rPr lang="ja-JP" altLang="en-US" sz="1900" spc="-1" smtClean="0">
-                <a:solidFill>
-                  <a:srgbClr val="000000"/>
-                </a:solidFill>
-                <a:latin typeface="Arial"/>
-              </a:rPr>
-              <a:t>基礎的</a:t>
-            </a:r>
-            <a:r>
               <a:rPr lang="ja-JP" altLang="en-US" sz="1900" spc="-1" dirty="0" smtClean="0">
                 <a:solidFill>
                   <a:srgbClr val="000000"/>
                 </a:solidFill>
-                <a:latin typeface="Arial"/>
-              </a:rPr>
-              <a:t>な</a:t>
+                <a:latin typeface="ＭＳ ゴシック" panose="020B0609070205080204" pitchFamily="49" charset="-128"/>
+                <a:ea typeface="ＭＳ ゴシック" panose="020B0609070205080204" pitchFamily="49" charset="-128"/>
+              </a:rPr>
+              <a:t>基礎的な</a:t>
             </a:r>
             <a:r>
               <a:rPr lang="ja-JP" altLang="en-US" sz="1900" spc="-1" dirty="0">
                 <a:solidFill>
                   <a:srgbClr val="000000"/>
                 </a:solidFill>
-                <a:latin typeface="Arial"/>
+                <a:latin typeface="ＭＳ ゴシック" panose="020B0609070205080204" pitchFamily="49" charset="-128"/>
+                <a:ea typeface="ＭＳ ゴシック" panose="020B0609070205080204" pitchFamily="49" charset="-128"/>
               </a:rPr>
               <a:t>部分</a:t>
             </a:r>
@@ -9906,12 +9943,14 @@
                 <a:solidFill>
                   <a:srgbClr val="000000"/>
                 </a:solidFill>
-                <a:latin typeface="Arial"/>
+                <a:latin typeface="ＭＳ ゴシック" panose="020B0609070205080204" pitchFamily="49" charset="-128"/>
+                <a:ea typeface="ＭＳ ゴシック" panose="020B0609070205080204" pitchFamily="49" charset="-128"/>
               </a:rPr>
               <a:t>の説明</a:t>
             </a:r>
             <a:endParaRPr lang="en-US" sz="1900" b="0" strike="noStrike" spc="-1" dirty="0">
-              <a:latin typeface="Arial"/>
+              <a:latin typeface="ＭＳ ゴシック" panose="020B0609070205080204" pitchFamily="49" charset="-128"/>
+              <a:ea typeface="ＭＳ ゴシック" panose="020B0609070205080204" pitchFamily="49" charset="-128"/>
             </a:endParaRPr>
           </a:p>
           <a:p>
@@ -9930,8 +9969,8 @@
                 <a:solidFill>
                   <a:srgbClr val="000000"/>
                 </a:solidFill>
-                <a:latin typeface="Arial"/>
-                <a:ea typeface="Arial"/>
+                <a:latin typeface="ＭＳ ゴシック" panose="020B0609070205080204" pitchFamily="49" charset="-128"/>
+                <a:ea typeface="ＭＳ ゴシック" panose="020B0609070205080204" pitchFamily="49" charset="-128"/>
               </a:rPr>
               <a:t>どのように動くか理解</a:t>
             </a:r>
@@ -9940,13 +9979,14 @@
                 <a:solidFill>
                   <a:srgbClr val="000000"/>
                 </a:solidFill>
-                <a:latin typeface="Arial"/>
-                <a:ea typeface="Arial"/>
+                <a:latin typeface="ＭＳ ゴシック" panose="020B0609070205080204" pitchFamily="49" charset="-128"/>
+                <a:ea typeface="ＭＳ ゴシック" panose="020B0609070205080204" pitchFamily="49" charset="-128"/>
               </a:rPr>
               <a:t>してからハンズオンを行うため、アプリケーションの特徴を説明</a:t>
             </a:r>
             <a:endParaRPr lang="en-US" sz="1900" b="0" strike="noStrike" spc="-1" dirty="0">
-              <a:latin typeface="Arial"/>
+              <a:latin typeface="ＭＳ ゴシック" panose="020B0609070205080204" pitchFamily="49" charset="-128"/>
+              <a:ea typeface="ＭＳ ゴシック" panose="020B0609070205080204" pitchFamily="49" charset="-128"/>
             </a:endParaRPr>
           </a:p>
           <a:p>
@@ -9956,7 +9996,8 @@
               </a:lnSpc>
             </a:pPr>
             <a:endParaRPr lang="en-US" sz="1900" b="0" strike="noStrike" spc="-1" dirty="0">
-              <a:latin typeface="Arial"/>
+              <a:latin typeface="ＭＳ ゴシック" panose="020B0609070205080204" pitchFamily="49" charset="-128"/>
+              <a:ea typeface="ＭＳ ゴシック" panose="020B0609070205080204" pitchFamily="49" charset="-128"/>
             </a:endParaRPr>
           </a:p>
           <a:p>
@@ -9970,8 +10011,8 @@
                 <a:solidFill>
                   <a:srgbClr val="000000"/>
                 </a:solidFill>
-                <a:latin typeface="Arial"/>
-                <a:ea typeface="Arial"/>
+                <a:latin typeface="ＭＳ ゴシック" panose="020B0609070205080204" pitchFamily="49" charset="-128"/>
+                <a:ea typeface="ＭＳ ゴシック" panose="020B0609070205080204" pitchFamily="49" charset="-128"/>
               </a:rPr>
               <a:t>付録</a:t>
             </a:r>
@@ -9980,8 +10021,8 @@
                 <a:solidFill>
                   <a:srgbClr val="000000"/>
                 </a:solidFill>
-                <a:latin typeface="Arial"/>
-                <a:ea typeface="Arial"/>
+                <a:latin typeface="ＭＳ ゴシック" panose="020B0609070205080204" pitchFamily="49" charset="-128"/>
+                <a:ea typeface="ＭＳ ゴシック" panose="020B0609070205080204" pitchFamily="49" charset="-128"/>
               </a:rPr>
               <a:t>教材</a:t>
             </a:r>
@@ -9990,8 +10031,8 @@
                 <a:solidFill>
                   <a:srgbClr val="000000"/>
                 </a:solidFill>
-                <a:latin typeface="Arial"/>
-                <a:ea typeface="Arial"/>
+                <a:latin typeface="ＭＳ ゴシック" panose="020B0609070205080204" pitchFamily="49" charset="-128"/>
+                <a:ea typeface="ＭＳ ゴシック" panose="020B0609070205080204" pitchFamily="49" charset="-128"/>
               </a:rPr>
               <a:t> </a:t>
             </a:r>
@@ -10000,8 +10041,8 @@
                 <a:solidFill>
                   <a:srgbClr val="000000"/>
                 </a:solidFill>
-                <a:latin typeface="Arial"/>
-                <a:ea typeface="Arial"/>
+                <a:latin typeface="ＭＳ ゴシック" panose="020B0609070205080204" pitchFamily="49" charset="-128"/>
+                <a:ea typeface="ＭＳ ゴシック" panose="020B0609070205080204" pitchFamily="49" charset="-128"/>
               </a:rPr>
               <a:t>と</a:t>
             </a:r>
@@ -10010,8 +10051,8 @@
                 <a:solidFill>
                   <a:srgbClr val="000000"/>
                 </a:solidFill>
-                <a:latin typeface="Arial"/>
-                <a:ea typeface="Arial"/>
+                <a:latin typeface="ＭＳ ゴシック" panose="020B0609070205080204" pitchFamily="49" charset="-128"/>
+                <a:ea typeface="ＭＳ ゴシック" panose="020B0609070205080204" pitchFamily="49" charset="-128"/>
               </a:rPr>
               <a:t> </a:t>
             </a:r>
@@ -10020,13 +10061,14 @@
                 <a:solidFill>
                   <a:srgbClr val="000000"/>
                 </a:solidFill>
-                <a:latin typeface="Arial"/>
-                <a:ea typeface="Arial"/>
+                <a:latin typeface="ＭＳ ゴシック" panose="020B0609070205080204" pitchFamily="49" charset="-128"/>
+                <a:ea typeface="ＭＳ ゴシック" panose="020B0609070205080204" pitchFamily="49" charset="-128"/>
               </a:rPr>
               <a:t>インストール案内</a:t>
             </a:r>
             <a:endParaRPr lang="en-US" sz="2400" b="0" strike="noStrike" spc="-1" dirty="0" smtClean="0">
-              <a:latin typeface="Arial"/>
+              <a:latin typeface="ＭＳ ゴシック" panose="020B0609070205080204" pitchFamily="49" charset="-128"/>
+              <a:ea typeface="ＭＳ ゴシック" panose="020B0609070205080204" pitchFamily="49" charset="-128"/>
             </a:endParaRPr>
           </a:p>
           <a:p>
@@ -10045,13 +10087,14 @@
                 <a:solidFill>
                   <a:srgbClr val="000000"/>
                 </a:solidFill>
-                <a:latin typeface="Arial"/>
-                <a:ea typeface="Arial"/>
+                <a:latin typeface="ＭＳ ゴシック" panose="020B0609070205080204" pitchFamily="49" charset="-128"/>
+                <a:ea typeface="ＭＳ ゴシック" panose="020B0609070205080204" pitchFamily="49" charset="-128"/>
               </a:rPr>
               <a:t>サンプルファイルで実際にやる</a:t>
             </a:r>
             <a:endParaRPr lang="en-US" sz="1900" b="0" strike="noStrike" spc="-1" dirty="0" smtClean="0">
-              <a:latin typeface="Arial"/>
+              <a:latin typeface="ＭＳ ゴシック" panose="020B0609070205080204" pitchFamily="49" charset="-128"/>
+              <a:ea typeface="ＭＳ ゴシック" panose="020B0609070205080204" pitchFamily="49" charset="-128"/>
             </a:endParaRPr>
           </a:p>
           <a:p>
@@ -10070,8 +10113,8 @@
                 <a:solidFill>
                   <a:srgbClr val="000000"/>
                 </a:solidFill>
-                <a:latin typeface="Arial"/>
-                <a:ea typeface="Arial"/>
+                <a:latin typeface="ＭＳ ゴシック" panose="020B0609070205080204" pitchFamily="49" charset="-128"/>
+                <a:ea typeface="ＭＳ ゴシック" panose="020B0609070205080204" pitchFamily="49" charset="-128"/>
               </a:rPr>
               <a:t>FOSSology</a:t>
             </a:r>
@@ -10080,8 +10123,8 @@
                 <a:solidFill>
                   <a:srgbClr val="000000"/>
                 </a:solidFill>
-                <a:latin typeface="Arial"/>
-                <a:ea typeface="Arial"/>
+                <a:latin typeface="ＭＳ ゴシック" panose="020B0609070205080204" pitchFamily="49" charset="-128"/>
+                <a:ea typeface="ＭＳ ゴシック" panose="020B0609070205080204" pitchFamily="49" charset="-128"/>
               </a:rPr>
               <a:t>をインストールするためのドキュメント</a:t>
             </a:r>
@@ -10090,13 +10133,14 @@
                 <a:solidFill>
                   <a:srgbClr val="000000"/>
                 </a:solidFill>
-                <a:latin typeface="Arial"/>
-                <a:ea typeface="Arial"/>
+                <a:latin typeface="ＭＳ ゴシック" panose="020B0609070205080204" pitchFamily="49" charset="-128"/>
+                <a:ea typeface="ＭＳ ゴシック" panose="020B0609070205080204" pitchFamily="49" charset="-128"/>
               </a:rPr>
               <a:t> </a:t>
             </a:r>
             <a:endParaRPr lang="en-US" sz="1900" b="0" strike="noStrike" spc="-1" dirty="0">
-              <a:latin typeface="Arial"/>
+              <a:latin typeface="ＭＳ ゴシック" panose="020B0609070205080204" pitchFamily="49" charset="-128"/>
+              <a:ea typeface="ＭＳ ゴシック" panose="020B0609070205080204" pitchFamily="49" charset="-128"/>
             </a:endParaRPr>
           </a:p>
           <a:p>
@@ -10116,14 +10160,15 @@
                   <a:srgbClr val="0563C1"/>
                 </a:solidFill>
                 <a:uFillTx/>
-                <a:latin typeface="Arial"/>
-                <a:ea typeface="Arial"/>
+                <a:latin typeface="ＭＳ ゴシック" panose="020B0609070205080204" pitchFamily="49" charset="-128"/>
+                <a:ea typeface="ＭＳ ゴシック" panose="020B0609070205080204" pitchFamily="49" charset="-128"/>
                 <a:hlinkClick r:id="rId2"/>
               </a:rPr>
               <a:t>https://wiki.fossology.org/handson</a:t>
             </a:r>
             <a:endParaRPr lang="en-US" sz="1900" b="0" strike="noStrike" spc="-1" dirty="0">
-              <a:latin typeface="Arial"/>
+              <a:latin typeface="ＭＳ ゴシック" panose="020B0609070205080204" pitchFamily="49" charset="-128"/>
+              <a:ea typeface="ＭＳ ゴシック" panose="020B0609070205080204" pitchFamily="49" charset="-128"/>
             </a:endParaRPr>
           </a:p>
           <a:p>
@@ -10133,7 +10178,8 @@
               </a:lnSpc>
             </a:pPr>
             <a:endParaRPr lang="en-US" sz="1900" b="0" strike="noStrike" spc="-1" dirty="0">
-              <a:latin typeface="Arial"/>
+              <a:latin typeface="ＭＳ ゴシック" panose="020B0609070205080204" pitchFamily="49" charset="-128"/>
+              <a:ea typeface="ＭＳ ゴシック" panose="020B0609070205080204" pitchFamily="49" charset="-128"/>
             </a:endParaRPr>
           </a:p>
           <a:p>
@@ -10147,13 +10193,14 @@
                 <a:solidFill>
                   <a:srgbClr val="000000"/>
                 </a:solidFill>
-                <a:latin typeface="Arial"/>
-                <a:ea typeface="Arial"/>
+                <a:latin typeface="ＭＳ ゴシック" panose="020B0609070205080204" pitchFamily="49" charset="-128"/>
+                <a:ea typeface="ＭＳ ゴシック" panose="020B0609070205080204" pitchFamily="49" charset="-128"/>
               </a:rPr>
               <a:t>ハンズオンで実際にやってみる</a:t>
             </a:r>
             <a:endParaRPr lang="en-US" sz="2400" b="0" strike="noStrike" spc="-1" dirty="0" smtClean="0">
-              <a:latin typeface="Arial"/>
+              <a:latin typeface="ＭＳ ゴシック" panose="020B0609070205080204" pitchFamily="49" charset="-128"/>
+              <a:ea typeface="ＭＳ ゴシック" panose="020B0609070205080204" pitchFamily="49" charset="-128"/>
             </a:endParaRPr>
           </a:p>
           <a:p>
@@ -10172,8 +10219,8 @@
                 <a:solidFill>
                   <a:srgbClr val="000000"/>
                 </a:solidFill>
-                <a:latin typeface="Arial"/>
-                <a:ea typeface="Arial"/>
+                <a:latin typeface="ＭＳ ゴシック" panose="020B0609070205080204" pitchFamily="49" charset="-128"/>
+                <a:ea typeface="ＭＳ ゴシック" panose="020B0609070205080204" pitchFamily="49" charset="-128"/>
               </a:rPr>
               <a:t>質問をためらわない</a:t>
             </a:r>
@@ -10182,8 +10229,8 @@
                 <a:solidFill>
                   <a:srgbClr val="000000"/>
                 </a:solidFill>
-                <a:latin typeface="Arial"/>
-                <a:ea typeface="Arial"/>
+                <a:latin typeface="ＭＳ ゴシック" panose="020B0609070205080204" pitchFamily="49" charset="-128"/>
+                <a:ea typeface="ＭＳ ゴシック" panose="020B0609070205080204" pitchFamily="49" charset="-128"/>
               </a:rPr>
               <a:t>, FOSSology</a:t>
             </a:r>
@@ -10192,8 +10239,8 @@
                 <a:solidFill>
                   <a:srgbClr val="000000"/>
                 </a:solidFill>
-                <a:latin typeface="Arial"/>
-                <a:ea typeface="Arial"/>
+                <a:latin typeface="ＭＳ ゴシック" panose="020B0609070205080204" pitchFamily="49" charset="-128"/>
+                <a:ea typeface="ＭＳ ゴシック" panose="020B0609070205080204" pitchFamily="49" charset="-128"/>
               </a:rPr>
               <a:t>にフォーカス</a:t>
             </a:r>
@@ -10202,8 +10249,8 @@
                 <a:solidFill>
                   <a:srgbClr val="000000"/>
                 </a:solidFill>
-                <a:latin typeface="Arial"/>
-                <a:ea typeface="Arial"/>
+                <a:latin typeface="ＭＳ ゴシック" panose="020B0609070205080204" pitchFamily="49" charset="-128"/>
+                <a:ea typeface="ＭＳ ゴシック" panose="020B0609070205080204" pitchFamily="49" charset="-128"/>
               </a:rPr>
               <a:t>しよ</a:t>
             </a:r>
@@ -10212,13 +10259,14 @@
                 <a:solidFill>
                   <a:srgbClr val="000000"/>
                 </a:solidFill>
-                <a:latin typeface="Arial"/>
-                <a:ea typeface="Arial"/>
+                <a:latin typeface="ＭＳ ゴシック" panose="020B0609070205080204" pitchFamily="49" charset="-128"/>
+                <a:ea typeface="ＭＳ ゴシック" panose="020B0609070205080204" pitchFamily="49" charset="-128"/>
               </a:rPr>
               <a:t>う</a:t>
             </a:r>
             <a:endParaRPr lang="en-US" sz="1900" b="0" strike="noStrike" spc="-1" dirty="0">
-              <a:latin typeface="Arial"/>
+              <a:latin typeface="ＭＳ ゴシック" panose="020B0609070205080204" pitchFamily="49" charset="-128"/>
+              <a:ea typeface="ＭＳ ゴシック" panose="020B0609070205080204" pitchFamily="49" charset="-128"/>
             </a:endParaRPr>
           </a:p>
           <a:p>
@@ -10237,8 +10285,8 @@
                 <a:solidFill>
                   <a:srgbClr val="000000"/>
                 </a:solidFill>
-                <a:latin typeface="Arial"/>
-                <a:ea typeface="Arial"/>
+                <a:latin typeface="ＭＳ ゴシック" panose="020B0609070205080204" pitchFamily="49" charset="-128"/>
+                <a:ea typeface="ＭＳ ゴシック" panose="020B0609070205080204" pitchFamily="49" charset="-128"/>
               </a:rPr>
               <a:t>もしみんながシャイで、誰も質問しないって</a:t>
             </a:r>
@@ -10247,8 +10295,8 @@
                 <a:solidFill>
                   <a:srgbClr val="000000"/>
                 </a:solidFill>
-                <a:latin typeface="Arial"/>
-                <a:ea typeface="Arial"/>
+                <a:latin typeface="ＭＳ ゴシック" panose="020B0609070205080204" pitchFamily="49" charset="-128"/>
+                <a:ea typeface="ＭＳ ゴシック" panose="020B0609070205080204" pitchFamily="49" charset="-128"/>
               </a:rPr>
               <a:t>状況</a:t>
             </a:r>
@@ -10257,13 +10305,14 @@
                 <a:solidFill>
                   <a:srgbClr val="000000"/>
                 </a:solidFill>
-                <a:latin typeface="Arial"/>
-                <a:ea typeface="Arial"/>
+                <a:latin typeface="ＭＳ ゴシック" panose="020B0609070205080204" pitchFamily="49" charset="-128"/>
+                <a:ea typeface="ＭＳ ゴシック" panose="020B0609070205080204" pitchFamily="49" charset="-128"/>
               </a:rPr>
               <a:t>を考えてみよう</a:t>
             </a:r>
             <a:endParaRPr lang="en-US" sz="1900" b="0" strike="noStrike" spc="-1" dirty="0">
-              <a:latin typeface="Arial"/>
+              <a:latin typeface="ＭＳ ゴシック" panose="020B0609070205080204" pitchFamily="49" charset="-128"/>
+              <a:ea typeface="ＭＳ ゴシック" panose="020B0609070205080204" pitchFamily="49" charset="-128"/>
             </a:endParaRPr>
           </a:p>
           <a:p>
@@ -10401,7 +10450,7 @@
         </p:nvSpPr>
         <p:spPr>
           <a:xfrm>
-            <a:off x="838080" y="365040"/>
+            <a:off x="894240" y="395100"/>
             <a:ext cx="10514880" cy="1324800"/>
           </a:xfrm>
           <a:prstGeom prst="rect">
@@ -10435,12 +10484,14 @@
             </a:pPr>
             <a:r>
               <a:rPr lang="ja-JP" altLang="en-US" sz="4400" b="0" strike="noStrike" spc="-1" dirty="0" smtClean="0">
-                <a:latin typeface="Arial"/>
+                <a:latin typeface="ＭＳ ゴシック" panose="020B0609070205080204" pitchFamily="49" charset="-128"/>
+                <a:ea typeface="ＭＳ ゴシック" panose="020B0609070205080204" pitchFamily="49" charset="-128"/>
               </a:rPr>
               <a:t>ご清聴ありがとうございました</a:t>
             </a:r>
             <a:endParaRPr lang="en-US" sz="4400" b="0" strike="noStrike" spc="-1" dirty="0">
-              <a:latin typeface="Arial"/>
+              <a:latin typeface="ＭＳ ゴシック" panose="020B0609070205080204" pitchFamily="49" charset="-128"/>
+              <a:ea typeface="ＭＳ ゴシック" panose="020B0609070205080204" pitchFamily="49" charset="-128"/>
             </a:endParaRPr>
           </a:p>
         </p:txBody>
@@ -10486,7 +10537,7 @@
               </a:lnSpc>
             </a:pPr>
             <a:r>
-              <a:rPr lang="en-US" sz="1600" b="1" strike="noStrike" spc="-1">
+              <a:rPr lang="en-US" sz="1600" b="1" strike="noStrike" spc="-1" dirty="0">
                 <a:solidFill>
                   <a:srgbClr val="000000"/>
                 </a:solidFill>
@@ -10495,7 +10546,7 @@
               </a:rPr>
               <a:t>© 2016-2018  Siemens AG, The Linux Foundation</a:t>
             </a:r>
-            <a:endParaRPr lang="en-US" sz="1600" b="0" strike="noStrike" spc="-1">
+            <a:endParaRPr lang="en-US" sz="1600" b="0" strike="noStrike" spc="-1" dirty="0">
               <a:latin typeface="Arial"/>
             </a:endParaRPr>
           </a:p>
@@ -10506,7 +10557,7 @@
               </a:lnSpc>
             </a:pPr>
             <a:r>
-              <a:rPr lang="en-US" sz="1600" b="1" strike="noStrike" spc="-1">
+              <a:rPr lang="en-US" sz="1600" b="1" strike="noStrike" spc="-1" dirty="0">
                 <a:solidFill>
                   <a:srgbClr val="000000"/>
                 </a:solidFill>
@@ -10515,7 +10566,7 @@
               </a:rPr>
               <a:t> </a:t>
             </a:r>
-            <a:endParaRPr lang="en-US" sz="1600" b="0" strike="noStrike" spc="-1">
+            <a:endParaRPr lang="en-US" sz="1600" b="0" strike="noStrike" spc="-1" dirty="0">
               <a:latin typeface="Arial"/>
             </a:endParaRPr>
           </a:p>
@@ -10526,7 +10577,7 @@
               </a:lnSpc>
             </a:pPr>
             <a:r>
-              <a:rPr lang="en-US" sz="1600" b="0" strike="noStrike" spc="-1">
+              <a:rPr lang="en-US" sz="1600" b="0" strike="noStrike" spc="-1" dirty="0">
                 <a:solidFill>
                   <a:srgbClr val="000000"/>
                 </a:solidFill>
@@ -10536,11 +10587,14 @@
               <a:t>CC-BY-SA 4.0</a:t>
             </a:r>
             <a:r>
+              <a:rPr dirty="0"/>
               <a:t/>
             </a:r>
-            <a:br/>
-            <a:r>
-              <a:rPr lang="en-US" sz="1600" b="0" u="sng" strike="noStrike" spc="-1">
+            <a:br>
+              <a:rPr dirty="0"/>
+            </a:br>
+            <a:r>
+              <a:rPr lang="en-US" sz="1600" b="0" u="sng" strike="noStrike" spc="-1" dirty="0">
                 <a:solidFill>
                   <a:srgbClr val="0563C1"/>
                 </a:solidFill>
@@ -10551,7 +10605,7 @@
               </a:rPr>
               <a:t>https://creativecommons.org/licenses/by-sa/4.0/</a:t>
             </a:r>
-            <a:endParaRPr lang="en-US" sz="1600" b="0" strike="noStrike" spc="-1">
+            <a:endParaRPr lang="en-US" sz="1600" b="0" strike="noStrike" spc="-1" dirty="0">
               <a:latin typeface="Arial"/>
             </a:endParaRPr>
           </a:p>
@@ -10565,7 +10619,7 @@
               </a:spcBef>
             </a:pPr>
             <a:r>
-              <a:rPr lang="en-US" sz="1600" b="1" strike="noStrike" spc="-1">
+              <a:rPr lang="en-US" sz="1600" b="1" strike="noStrike" spc="-1" dirty="0">
                 <a:solidFill>
                   <a:srgbClr val="000000"/>
                 </a:solidFill>
@@ -10575,11 +10629,14 @@
               <a:t>Internet</a:t>
             </a:r>
             <a:r>
+              <a:rPr dirty="0"/>
               <a:t/>
             </a:r>
-            <a:br/>
-            <a:r>
-              <a:rPr lang="en-US" sz="1600" b="1" u="sng" strike="noStrike" spc="-1">
+            <a:br>
+              <a:rPr dirty="0"/>
+            </a:br>
+            <a:r>
+              <a:rPr lang="en-US" sz="1600" b="1" u="sng" strike="noStrike" spc="-1" dirty="0">
                 <a:solidFill>
                   <a:srgbClr val="0563C1"/>
                 </a:solidFill>
@@ -10590,7 +10647,7 @@
               </a:rPr>
               <a:t>https://www.fossology.org</a:t>
             </a:r>
-            <a:endParaRPr lang="en-US" sz="1600" b="0" strike="noStrike" spc="-1">
+            <a:endParaRPr lang="en-US" sz="1600" b="0" strike="noStrike" spc="-1" dirty="0">
               <a:latin typeface="Arial"/>
             </a:endParaRPr>
           </a:p>
@@ -10604,7 +10661,7 @@
               </a:spcBef>
             </a:pPr>
             <a:r>
-              <a:rPr lang="en-US" sz="1600" b="1" strike="noStrike" spc="-1">
+              <a:rPr lang="en-US" sz="1600" b="1" strike="noStrike" spc="-1" dirty="0" err="1">
                 <a:solidFill>
                   <a:srgbClr val="000000"/>
                 </a:solidFill>
@@ -10614,11 +10671,14 @@
               <a:t>Github</a:t>
             </a:r>
             <a:r>
+              <a:rPr dirty="0"/>
               <a:t/>
             </a:r>
-            <a:br/>
-            <a:r>
-              <a:rPr lang="en-US" sz="1600" b="1" u="sng" strike="noStrike" spc="-1">
+            <a:br>
+              <a:rPr dirty="0"/>
+            </a:br>
+            <a:r>
+              <a:rPr lang="en-US" sz="1600" b="1" u="sng" strike="noStrike" spc="-1" dirty="0">
                 <a:solidFill>
                   <a:srgbClr val="0563C1"/>
                 </a:solidFill>
@@ -10629,7 +10689,7 @@
               </a:rPr>
               <a:t>https://github.com/fossology/fossology</a:t>
             </a:r>
-            <a:endParaRPr lang="en-US" sz="1600" b="0" strike="noStrike" spc="-1">
+            <a:endParaRPr lang="en-US" sz="1600" b="0" strike="noStrike" spc="-1" dirty="0">
               <a:latin typeface="Arial"/>
             </a:endParaRPr>
           </a:p>
@@ -10639,7 +10699,7 @@
                 <a:spcPct val="90000"/>
               </a:lnSpc>
             </a:pPr>
-            <a:endParaRPr lang="en-US" sz="1600" b="0" strike="noStrike" spc="-1">
+            <a:endParaRPr lang="en-US" sz="1600" b="0" strike="noStrike" spc="-1" dirty="0">
               <a:latin typeface="Arial"/>
             </a:endParaRPr>
           </a:p>
@@ -10650,7 +10710,7 @@
               </a:lnSpc>
             </a:pPr>
             <a:r>
-              <a:rPr lang="en-US" sz="1600" b="1" strike="noStrike" spc="-1">
+              <a:rPr lang="en-US" sz="1600" b="1" strike="noStrike" spc="-1" dirty="0">
                 <a:solidFill>
                   <a:srgbClr val="000000"/>
                 </a:solidFill>
@@ -10660,11 +10720,14 @@
               <a:t>Further Links</a:t>
             </a:r>
             <a:r>
+              <a:rPr dirty="0"/>
               <a:t/>
             </a:r>
-            <a:br/>
-            <a:r>
-              <a:rPr lang="en-US" sz="1600" b="1" u="sng" strike="noStrike" spc="-1">
+            <a:br>
+              <a:rPr dirty="0"/>
+            </a:br>
+            <a:r>
+              <a:rPr lang="en-US" sz="1600" b="1" u="sng" strike="noStrike" spc="-1" dirty="0">
                 <a:solidFill>
                   <a:srgbClr val="0563C1"/>
                 </a:solidFill>
@@ -10675,7 +10738,7 @@
               </a:rPr>
               <a:t>https://www.spdx.org</a:t>
             </a:r>
-            <a:endParaRPr lang="en-US" sz="1600" b="0" strike="noStrike" spc="-1">
+            <a:endParaRPr lang="en-US" sz="1600" b="0" strike="noStrike" spc="-1" dirty="0">
               <a:latin typeface="Arial"/>
             </a:endParaRPr>
           </a:p>
@@ -10686,7 +10749,7 @@
               </a:lnSpc>
             </a:pPr>
             <a:r>
-              <a:rPr lang="en-US" sz="1600" b="1" strike="noStrike" spc="-1">
+              <a:rPr lang="en-US" sz="1600" b="1" strike="noStrike" spc="-1" dirty="0">
                 <a:solidFill>
                   <a:srgbClr val="000000"/>
                 </a:solidFill>
@@ -10696,7 +10759,7 @@
               <a:t>    </a:t>
             </a:r>
             <a:r>
-              <a:rPr lang="en-US" sz="1600" b="1" u="sng" strike="noStrike" spc="-1">
+              <a:rPr lang="en-US" sz="1600" b="1" u="sng" strike="noStrike" spc="-1" dirty="0">
                 <a:solidFill>
                   <a:srgbClr val="0563C1"/>
                 </a:solidFill>
@@ -10707,7 +10770,7 @@
               </a:rPr>
               <a:t>https://www.openchainproject.org</a:t>
             </a:r>
-            <a:endParaRPr lang="en-US" sz="1600" b="0" strike="noStrike" spc="-1">
+            <a:endParaRPr lang="en-US" sz="1600" b="0" strike="noStrike" spc="-1" dirty="0">
               <a:latin typeface="Arial"/>
             </a:endParaRPr>
           </a:p>
@@ -10718,7 +10781,7 @@
               </a:lnSpc>
             </a:pPr>
             <a:r>
-              <a:rPr lang="en-US" sz="1600" b="1" strike="noStrike" spc="-1">
+              <a:rPr lang="en-US" sz="1600" b="1" strike="noStrike" spc="-1" dirty="0">
                 <a:solidFill>
                   <a:srgbClr val="000000"/>
                 </a:solidFill>
@@ -10728,7 +10791,7 @@
               <a:t>    </a:t>
             </a:r>
             <a:r>
-              <a:rPr lang="en-US" sz="1600" b="1" u="sng" strike="noStrike" spc="-1">
+              <a:rPr lang="en-US" sz="1600" b="1" u="sng" strike="noStrike" spc="-1" dirty="0">
                 <a:solidFill>
                   <a:srgbClr val="0563C1"/>
                 </a:solidFill>
@@ -10739,7 +10802,7 @@
               </a:rPr>
               <a:t>https://github.com/sw360/sw360portal</a:t>
             </a:r>
-            <a:endParaRPr lang="en-US" sz="1600" b="0" strike="noStrike" spc="-1">
+            <a:endParaRPr lang="en-US" sz="1600" b="0" strike="noStrike" spc="-1" dirty="0">
               <a:latin typeface="Arial"/>
             </a:endParaRPr>
           </a:p>
@@ -10749,7 +10812,7 @@
                 <a:spcPct val="90000"/>
               </a:lnSpc>
             </a:pPr>
-            <a:endParaRPr lang="en-US" sz="1600" b="0" strike="noStrike" spc="-1">
+            <a:endParaRPr lang="en-US" sz="1600" b="0" strike="noStrike" spc="-1" dirty="0">
               <a:latin typeface="Arial"/>
             </a:endParaRPr>
           </a:p>
